--- a/Grid.pptx
+++ b/Grid.pptx
@@ -5,13 +5,14 @@
     <p:sldMasterId id="2147483660" r:id="rId1"/>
   </p:sldMasterIdLst>
   <p:notesMasterIdLst>
-    <p:notesMasterId r:id="rId6"/>
+    <p:notesMasterId r:id="rId7"/>
   </p:notesMasterIdLst>
   <p:sldIdLst>
     <p:sldId id="256" r:id="rId2"/>
     <p:sldId id="257" r:id="rId3"/>
-    <p:sldId id="259" r:id="rId4"/>
-    <p:sldId id="258" r:id="rId5"/>
+    <p:sldId id="260" r:id="rId4"/>
+    <p:sldId id="259" r:id="rId5"/>
+    <p:sldId id="258" r:id="rId6"/>
   </p:sldIdLst>
   <p:sldSz cx="9144000" cy="6858000" type="screen4x3"/>
   <p:notesSz cx="6858000" cy="9144000"/>
@@ -195,7 +196,7 @@
           <a:p>
             <a:fld id="{50CA55A3-39B6-4E51-8D62-1A2D2AE9D9DB}" type="datetimeFigureOut">
               <a:rPr lang="en-US" smtClean="0"/>
-              <a:t>1/11/2025</a:t>
+              <a:t>1/12/2025</a:t>
             </a:fld>
             <a:endParaRPr lang="en-US"/>
           </a:p>
@@ -1172,7 +1173,7 @@
           <a:p>
             <a:fld id="{24C4F197-9405-4200-A52F-26341773DBAD}" type="datetimeFigureOut">
               <a:rPr lang="en-US" smtClean="0"/>
-              <a:t>1/11/2025</a:t>
+              <a:t>1/12/2025</a:t>
             </a:fld>
             <a:endParaRPr lang="en-US"/>
           </a:p>
@@ -1368,7 +1369,7 @@
           <a:p>
             <a:fld id="{24C4F197-9405-4200-A52F-26341773DBAD}" type="datetimeFigureOut">
               <a:rPr lang="en-US" smtClean="0"/>
-              <a:t>1/11/2025</a:t>
+              <a:t>1/12/2025</a:t>
             </a:fld>
             <a:endParaRPr lang="en-US"/>
           </a:p>
@@ -1553,7 +1554,7 @@
           <a:p>
             <a:fld id="{24C4F197-9405-4200-A52F-26341773DBAD}" type="datetimeFigureOut">
               <a:rPr lang="en-US" smtClean="0"/>
-              <a:t>1/11/2025</a:t>
+              <a:t>1/12/2025</a:t>
             </a:fld>
             <a:endParaRPr lang="en-US"/>
           </a:p>
@@ -1703,7 +1704,7 @@
           <a:p>
             <a:fld id="{24C4F197-9405-4200-A52F-26341773DBAD}" type="datetimeFigureOut">
               <a:rPr lang="en-US" smtClean="0"/>
-              <a:t>1/11/2025</a:t>
+              <a:t>1/12/2025</a:t>
             </a:fld>
             <a:endParaRPr lang="en-US"/>
           </a:p>
@@ -1958,7 +1959,7 @@
           <a:p>
             <a:fld id="{24C4F197-9405-4200-A52F-26341773DBAD}" type="datetimeFigureOut">
               <a:rPr lang="en-US" smtClean="0"/>
-              <a:t>1/11/2025</a:t>
+              <a:t>1/12/2025</a:t>
             </a:fld>
             <a:endParaRPr lang="en-US"/>
           </a:p>
@@ -2367,7 +2368,7 @@
           <a:p>
             <a:fld id="{24C4F197-9405-4200-A52F-26341773DBAD}" type="datetimeFigureOut">
               <a:rPr lang="en-US" smtClean="0"/>
-              <a:t>1/11/2025</a:t>
+              <a:t>1/12/2025</a:t>
             </a:fld>
             <a:endParaRPr lang="en-US"/>
           </a:p>
@@ -2813,7 +2814,7 @@
           <a:p>
             <a:fld id="{24C4F197-9405-4200-A52F-26341773DBAD}" type="datetimeFigureOut">
               <a:rPr lang="en-US" smtClean="0"/>
-              <a:t>1/11/2025</a:t>
+              <a:t>1/12/2025</a:t>
             </a:fld>
             <a:endParaRPr lang="en-US"/>
           </a:p>
@@ -2914,7 +2915,7 @@
           <a:p>
             <a:fld id="{24C4F197-9405-4200-A52F-26341773DBAD}" type="datetimeFigureOut">
               <a:rPr lang="en-US" smtClean="0"/>
-              <a:t>1/11/2025</a:t>
+              <a:t>1/12/2025</a:t>
             </a:fld>
             <a:endParaRPr lang="en-US"/>
           </a:p>
@@ -3035,7 +3036,7 @@
           <a:p>
             <a:fld id="{24C4F197-9405-4200-A52F-26341773DBAD}" type="datetimeFigureOut">
               <a:rPr lang="en-US" smtClean="0"/>
-              <a:t>1/11/2025</a:t>
+              <a:t>1/12/2025</a:t>
             </a:fld>
             <a:endParaRPr lang="en-US"/>
           </a:p>
@@ -3309,7 +3310,7 @@
           <a:p>
             <a:fld id="{24C4F197-9405-4200-A52F-26341773DBAD}" type="datetimeFigureOut">
               <a:rPr lang="en-US" smtClean="0"/>
-              <a:t>1/11/2025</a:t>
+              <a:t>1/12/2025</a:t>
             </a:fld>
             <a:endParaRPr lang="en-US"/>
           </a:p>
@@ -3514,7 +3515,7 @@
           <a:p>
             <a:fld id="{24C4F197-9405-4200-A52F-26341773DBAD}" type="datetimeFigureOut">
               <a:rPr lang="en-US" smtClean="0"/>
-              <a:t>1/11/2025</a:t>
+              <a:t>1/12/2025</a:t>
             </a:fld>
             <a:endParaRPr lang="en-US"/>
           </a:p>
@@ -4623,7 +4624,7 @@
           <a:p>
             <a:fld id="{24C4F197-9405-4200-A52F-26341773DBAD}" type="datetimeFigureOut">
               <a:rPr lang="en-US" smtClean="0"/>
-              <a:t>1/11/2025</a:t>
+              <a:t>1/12/2025</a:t>
             </a:fld>
             <a:endParaRPr lang="en-US"/>
           </a:p>
@@ -5238,12 +5239,12 @@
       </p:grpSpPr>
       <p:sp>
         <p:nvSpPr>
-          <p:cNvPr id="2" name="Content Placeholder 1"/>
-          <p:cNvSpPr>
-            <a:spLocks noGrp="1"/>
-          </p:cNvSpPr>
-          <p:nvPr>
-            <p:ph idx="1"/>
+          <p:cNvPr id="3" name="Title 2"/>
+          <p:cNvSpPr>
+            <a:spLocks noGrp="1"/>
+          </p:cNvSpPr>
+          <p:nvPr>
+            <p:ph type="title"/>
           </p:nvPr>
         </p:nvSpPr>
         <p:spPr/>
@@ -5251,6 +5252,125 @@
           <a:bodyPr/>
           <a:lstStyle/>
           <a:p>
+            <a:r>
+              <a:rPr lang="en-US" dirty="0" smtClean="0"/>
+              <a:t>Container</a:t>
+            </a:r>
+            <a:endParaRPr lang="en-US" dirty="0"/>
+          </a:p>
+        </p:txBody>
+      </p:sp>
+      <p:pic>
+        <p:nvPicPr>
+          <p:cNvPr id="1026" name="Picture 2"/>
+          <p:cNvPicPr>
+            <a:picLocks noGrp="1" noChangeAspect="1" noChangeArrowheads="1"/>
+          </p:cNvPicPr>
+          <p:nvPr>
+            <p:ph idx="1"/>
+          </p:nvPr>
+        </p:nvPicPr>
+        <p:blipFill>
+          <a:blip r:embed="rId2">
+            <a:extLst>
+              <a:ext uri="{28A0092B-C50C-407E-A947-70E740481C1C}">
+                <a14:useLocalDpi xmlns:a14="http://schemas.microsoft.com/office/drawing/2010/main" val="0"/>
+              </a:ext>
+            </a:extLst>
+          </a:blip>
+          <a:srcRect/>
+          <a:stretch>
+            <a:fillRect/>
+          </a:stretch>
+        </p:blipFill>
+        <p:spPr bwMode="auto">
+          <a:xfrm>
+            <a:off x="2438400" y="2209800"/>
+            <a:ext cx="3845447" cy="2134478"/>
+          </a:xfrm>
+          <a:prstGeom prst="rect">
+            <a:avLst/>
+          </a:prstGeom>
+          <a:noFill/>
+          <a:ln>
+            <a:noFill/>
+          </a:ln>
+          <a:effectLst/>
+          <a:extLst>
+            <a:ext uri="{909E8E84-426E-40DD-AFC4-6F175D3DCCD1}">
+              <a14:hiddenFill xmlns:a14="http://schemas.microsoft.com/office/drawing/2010/main">
+                <a:solidFill>
+                  <a:schemeClr val="accent1"/>
+                </a:solidFill>
+              </a14:hiddenFill>
+            </a:ext>
+            <a:ext uri="{91240B29-F687-4F45-9708-019B960494DF}">
+              <a14:hiddenLine xmlns:a14="http://schemas.microsoft.com/office/drawing/2010/main" w="9525">
+                <a:solidFill>
+                  <a:schemeClr val="tx1"/>
+                </a:solidFill>
+                <a:miter lim="800000"/>
+                <a:headEnd/>
+                <a:tailEnd/>
+              </a14:hiddenLine>
+            </a:ext>
+            <a:ext uri="{AF507438-7753-43E0-B8FC-AC1667EBCBE1}">
+              <a14:hiddenEffects xmlns:a14="http://schemas.microsoft.com/office/drawing/2010/main">
+                <a:effectLst>
+                  <a:outerShdw dist="35921" dir="2700000" algn="ctr" rotWithShape="0">
+                    <a:schemeClr val="bg2"/>
+                  </a:outerShdw>
+                </a:effectLst>
+              </a14:hiddenEffects>
+            </a:ext>
+          </a:extLst>
+        </p:spPr>
+      </p:pic>
+    </p:spTree>
+    <p:extLst>
+      <p:ext uri="{BB962C8B-B14F-4D97-AF65-F5344CB8AC3E}">
+        <p14:creationId xmlns:p14="http://schemas.microsoft.com/office/powerpoint/2010/main" val="3008956602"/>
+      </p:ext>
+    </p:extLst>
+  </p:cSld>
+  <p:clrMapOvr>
+    <a:masterClrMapping/>
+  </p:clrMapOvr>
+</p:sld>
+</file>
+
+<file path=ppt/slides/slide4.xml><?xml version="1.0" encoding="utf-8"?>
+<p:sld xmlns:a="http://schemas.openxmlformats.org/drawingml/2006/main" xmlns:r="http://schemas.openxmlformats.org/officeDocument/2006/relationships" xmlns:p="http://schemas.openxmlformats.org/presentationml/2006/main">
+  <p:cSld>
+    <p:spTree>
+      <p:nvGrpSpPr>
+        <p:cNvPr id="1" name=""/>
+        <p:cNvGrpSpPr/>
+        <p:nvPr/>
+      </p:nvGrpSpPr>
+      <p:grpSpPr>
+        <a:xfrm>
+          <a:off x="0" y="0"/>
+          <a:ext cx="0" cy="0"/>
+          <a:chOff x="0" y="0"/>
+          <a:chExt cx="0" cy="0"/>
+        </a:xfrm>
+      </p:grpSpPr>
+      <p:sp>
+        <p:nvSpPr>
+          <p:cNvPr id="2" name="Content Placeholder 1"/>
+          <p:cNvSpPr>
+            <a:spLocks noGrp="1"/>
+          </p:cNvSpPr>
+          <p:nvPr>
+            <p:ph idx="1"/>
+          </p:nvPr>
+        </p:nvSpPr>
+        <p:spPr/>
+        <p:txBody>
+          <a:bodyPr/>
+          <a:lstStyle/>
+          <a:p>
             <a:endParaRPr lang="en-US" dirty="0" smtClean="0"/>
           </a:p>
           <a:p>
@@ -5262,8 +5382,26 @@
           <a:p>
             <a:r>
               <a:rPr lang="en-US" dirty="0" smtClean="0"/>
-              <a:t>Flex-wrap: wrap;</a:t>
-            </a:r>
+              <a:t>Flex-wrap: wrap</a:t>
+            </a:r>
+            <a:r>
+              <a:rPr lang="en-US" dirty="0" smtClean="0"/>
+              <a:t>;</a:t>
+            </a:r>
+          </a:p>
+          <a:p>
+            <a:endParaRPr lang="en-US" dirty="0"/>
+          </a:p>
+          <a:p>
+            <a:endParaRPr lang="en-US" dirty="0" smtClean="0"/>
+          </a:p>
+          <a:p>
+            <a:r>
+              <a:rPr lang="en-US" dirty="0" smtClean="0"/>
+              <a:t>Spaces</a:t>
+            </a:r>
+          </a:p>
+          <a:p>
             <a:endParaRPr lang="en-US" dirty="0"/>
           </a:p>
         </p:txBody>
@@ -5304,7 +5442,7 @@
 </p:sld>
 </file>
 
-<file path=ppt/slides/slide4.xml><?xml version="1.0" encoding="utf-8"?>
+<file path=ppt/slides/slide5.xml><?xml version="1.0" encoding="utf-8"?>
 <p:sld xmlns:a="http://schemas.openxmlformats.org/drawingml/2006/main" xmlns:r="http://schemas.openxmlformats.org/officeDocument/2006/relationships" xmlns:p="http://schemas.openxmlformats.org/presentationml/2006/main">
   <p:cSld>
     <p:spTree>
